--- a/Energy_consumption/Presentation.pptx
+++ b/Energy_consumption/Presentation.pptx
@@ -5,23 +5,23 @@
     <p:sldMasterId id="2147483648" r:id="rId1"/>
   </p:sldMasterIdLst>
   <p:sldIdLst>
-    <p:sldId id="256" r:id="rId3"/>
-    <p:sldId id="269" r:id="rId4"/>
-    <p:sldId id="257" r:id="rId5"/>
-    <p:sldId id="260" r:id="rId6"/>
-    <p:sldId id="276" r:id="rId7"/>
-    <p:sldId id="265" r:id="rId8"/>
-    <p:sldId id="266" r:id="rId9"/>
-    <p:sldId id="272" r:id="rId10"/>
-    <p:sldId id="267" r:id="rId11"/>
-    <p:sldId id="268" r:id="rId12"/>
-    <p:sldId id="259" r:id="rId13"/>
-    <p:sldId id="261" r:id="rId14"/>
-    <p:sldId id="262" r:id="rId15"/>
-    <p:sldId id="263" r:id="rId16"/>
-    <p:sldId id="264" r:id="rId17"/>
-    <p:sldId id="270" r:id="rId18"/>
-    <p:sldId id="279" r:id="rId19"/>
+    <p:sldId id="256" r:id="rId2"/>
+    <p:sldId id="269" r:id="rId3"/>
+    <p:sldId id="257" r:id="rId4"/>
+    <p:sldId id="260" r:id="rId5"/>
+    <p:sldId id="276" r:id="rId6"/>
+    <p:sldId id="265" r:id="rId7"/>
+    <p:sldId id="266" r:id="rId8"/>
+    <p:sldId id="272" r:id="rId9"/>
+    <p:sldId id="267" r:id="rId10"/>
+    <p:sldId id="268" r:id="rId11"/>
+    <p:sldId id="259" r:id="rId12"/>
+    <p:sldId id="261" r:id="rId13"/>
+    <p:sldId id="262" r:id="rId14"/>
+    <p:sldId id="263" r:id="rId15"/>
+    <p:sldId id="264" r:id="rId16"/>
+    <p:sldId id="270" r:id="rId17"/>
+    <p:sldId id="279" r:id="rId18"/>
   </p:sldIdLst>
   <p:sldSz cx="12192000" cy="6858000"/>
   <p:notesSz cx="6858000" cy="9144000"/>
@@ -120,6 +120,11 @@
       </a:defRPr>
     </a:lvl9pPr>
   </p:defaultTextStyle>
+  <p:extLst>
+    <p:ext uri="{EFAFB233-063F-42B5-8137-9DF3F51BA10A}">
+      <p15:sldGuideLst xmlns:p15="http://schemas.microsoft.com/office/powerpoint/2012/main"/>
+    </p:ext>
+  </p:extLst>
 </p:presentation>
 </file>
 
@@ -311,6 +316,7 @@
           <a:p>
             <a:fld id="{8B4AF60A-713C-41BA-9788-4C493DDC0A9C}" type="datetimeFigureOut">
               <a:rPr lang="en-US" smtClean="0"/>
+              <a:t>2/18/2021</a:t>
             </a:fld>
             <a:endParaRPr lang="en-US" dirty="0"/>
           </a:p>
@@ -439,6 +445,7 @@
           <a:p>
             <a:fld id="{4FAB73BC-B049-4115-A692-8D63A059BFB8}" type="slidenum">
               <a:rPr lang="en-US" smtClean="0"/>
+              <a:t>‹#›</a:t>
             </a:fld>
             <a:endParaRPr lang="en-US" dirty="0"/>
           </a:p>
@@ -622,7 +629,6 @@
               <a:rPr lang="it-IT"/>
               <a:t>Modifica gli stili del testo dello schema</a:t>
             </a:r>
-            <a:endParaRPr lang="it-IT"/>
           </a:p>
         </p:txBody>
       </p:sp>
@@ -643,6 +649,7 @@
           <a:p>
             <a:fld id="{52E37674-C1BA-4107-9B06-6D4CAC3A3DF5}" type="datetimeFigureOut">
               <a:rPr lang="en-US" smtClean="0"/>
+              <a:t>2/18/2021</a:t>
             </a:fld>
             <a:endParaRPr lang="en-US" dirty="0"/>
           </a:p>
@@ -771,6 +778,7 @@
           <a:p>
             <a:fld id="{4FAB73BC-B049-4115-A692-8D63A059BFB8}" type="slidenum">
               <a:rPr lang="en-US" smtClean="0"/>
+              <a:t>‹#›</a:t>
             </a:fld>
             <a:endParaRPr lang="en-US" dirty="0"/>
           </a:p>
@@ -896,7 +904,6 @@
               <a:rPr lang="it-IT"/>
               <a:t>Modifica gli stili del testo dello schema</a:t>
             </a:r>
-            <a:endParaRPr lang="it-IT"/>
           </a:p>
         </p:txBody>
       </p:sp>
@@ -1019,7 +1026,6 @@
               <a:rPr lang="it-IT"/>
               <a:t>Modifica gli stili del testo dello schema</a:t>
             </a:r>
-            <a:endParaRPr lang="it-IT"/>
           </a:p>
         </p:txBody>
       </p:sp>
@@ -1040,6 +1046,7 @@
           <a:p>
             <a:fld id="{52E37674-C1BA-4107-9B06-6D4CAC3A3DF5}" type="datetimeFigureOut">
               <a:rPr lang="en-US" smtClean="0"/>
+              <a:t>2/18/2021</a:t>
             </a:fld>
             <a:endParaRPr lang="en-US" dirty="0"/>
           </a:p>
@@ -1168,6 +1175,7 @@
           <a:p>
             <a:fld id="{4FAB73BC-B049-4115-A692-8D63A059BFB8}" type="slidenum">
               <a:rPr lang="en-US" smtClean="0"/>
+              <a:t>‹#›</a:t>
             </a:fld>
             <a:endParaRPr lang="en-US" dirty="0"/>
           </a:p>
@@ -1208,16 +1216,6 @@
               </a:rPr>
               <a:t>“</a:t>
             </a:r>
-            <a:endParaRPr lang="en-US" sz="8000" baseline="0" dirty="0">
-              <a:ln w="3175" cmpd="sng">
-                <a:noFill/>
-              </a:ln>
-              <a:solidFill>
-                <a:schemeClr val="accent1"/>
-              </a:solidFill>
-              <a:effectLst/>
-              <a:latin typeface="Arial" panose="020B0604020202020204"/>
-            </a:endParaRPr>
           </a:p>
         </p:txBody>
       </p:sp>
@@ -1256,16 +1254,6 @@
               </a:rPr>
               <a:t>”</a:t>
             </a:r>
-            <a:endParaRPr lang="en-US" sz="8000" baseline="0" dirty="0">
-              <a:ln w="3175" cmpd="sng">
-                <a:noFill/>
-              </a:ln>
-              <a:solidFill>
-                <a:schemeClr val="accent1"/>
-              </a:solidFill>
-              <a:effectLst/>
-              <a:latin typeface="Arial" panose="020B0604020202020204"/>
-            </a:endParaRPr>
           </a:p>
         </p:txBody>
       </p:sp>
@@ -1370,7 +1358,6 @@
               <a:rPr lang="it-IT"/>
               <a:t>Modifica gli stili del testo dello schema</a:t>
             </a:r>
-            <a:endParaRPr lang="it-IT"/>
           </a:p>
         </p:txBody>
       </p:sp>
@@ -1391,6 +1378,7 @@
           <a:p>
             <a:fld id="{52E37674-C1BA-4107-9B06-6D4CAC3A3DF5}" type="datetimeFigureOut">
               <a:rPr lang="en-US" smtClean="0"/>
+              <a:t>2/18/2021</a:t>
             </a:fld>
             <a:endParaRPr lang="en-US" dirty="0"/>
           </a:p>
@@ -1519,6 +1507,7 @@
           <a:p>
             <a:fld id="{4FAB73BC-B049-4115-A692-8D63A059BFB8}" type="slidenum">
               <a:rPr lang="en-US" smtClean="0"/>
+              <a:t>‹#›</a:t>
             </a:fld>
             <a:endParaRPr lang="en-US" dirty="0"/>
           </a:p>
@@ -1641,7 +1630,6 @@
               <a:rPr lang="it-IT"/>
               <a:t>Modifica gli stili del testo dello schema</a:t>
             </a:r>
-            <a:endParaRPr lang="it-IT"/>
           </a:p>
         </p:txBody>
       </p:sp>
@@ -1686,7 +1674,6 @@
               <a:rPr lang="it-IT"/>
               <a:t>Modifica gli stili del testo dello schema</a:t>
             </a:r>
-            <a:endParaRPr lang="it-IT"/>
           </a:p>
         </p:txBody>
       </p:sp>
@@ -1707,6 +1694,7 @@
           <a:p>
             <a:fld id="{52E37674-C1BA-4107-9B06-6D4CAC3A3DF5}" type="datetimeFigureOut">
               <a:rPr lang="en-US" smtClean="0"/>
+              <a:t>2/18/2021</a:t>
             </a:fld>
             <a:endParaRPr lang="en-US" dirty="0"/>
           </a:p>
@@ -1835,6 +1823,7 @@
           <a:p>
             <a:fld id="{4FAB73BC-B049-4115-A692-8D63A059BFB8}" type="slidenum">
               <a:rPr lang="en-US" smtClean="0"/>
+              <a:t>‹#›</a:t>
             </a:fld>
             <a:endParaRPr lang="en-US" dirty="0"/>
           </a:p>
@@ -1875,16 +1864,6 @@
               </a:rPr>
               <a:t>“</a:t>
             </a:r>
-            <a:endParaRPr lang="en-US" sz="8000" baseline="0" dirty="0">
-              <a:ln w="3175" cmpd="sng">
-                <a:noFill/>
-              </a:ln>
-              <a:solidFill>
-                <a:schemeClr val="accent1"/>
-              </a:solidFill>
-              <a:effectLst/>
-              <a:latin typeface="Arial" panose="020B0604020202020204"/>
-            </a:endParaRPr>
           </a:p>
         </p:txBody>
       </p:sp>
@@ -1923,16 +1902,6 @@
               </a:rPr>
               <a:t>”</a:t>
             </a:r>
-            <a:endParaRPr lang="en-US" sz="8000" baseline="0" dirty="0">
-              <a:ln w="3175" cmpd="sng">
-                <a:noFill/>
-              </a:ln>
-              <a:solidFill>
-                <a:schemeClr val="accent1"/>
-              </a:solidFill>
-              <a:effectLst/>
-              <a:latin typeface="Arial" panose="020B0604020202020204"/>
-            </a:endParaRPr>
           </a:p>
         </p:txBody>
       </p:sp>
@@ -2053,7 +2022,6 @@
               <a:rPr lang="it-IT"/>
               <a:t>Modifica gli stili del testo dello schema</a:t>
             </a:r>
-            <a:endParaRPr lang="it-IT"/>
           </a:p>
         </p:txBody>
       </p:sp>
@@ -2098,7 +2066,6 @@
               <a:rPr lang="it-IT"/>
               <a:t>Modifica gli stili del testo dello schema</a:t>
             </a:r>
-            <a:endParaRPr lang="it-IT"/>
           </a:p>
         </p:txBody>
       </p:sp>
@@ -2119,6 +2086,7 @@
           <a:p>
             <a:fld id="{52E37674-C1BA-4107-9B06-6D4CAC3A3DF5}" type="datetimeFigureOut">
               <a:rPr lang="en-US" smtClean="0"/>
+              <a:t>2/18/2021</a:t>
             </a:fld>
             <a:endParaRPr lang="en-US" dirty="0"/>
           </a:p>
@@ -2247,6 +2215,7 @@
           <a:p>
             <a:fld id="{4FAB73BC-B049-4115-A692-8D63A059BFB8}" type="slidenum">
               <a:rPr lang="en-US" smtClean="0"/>
+              <a:t>‹#›</a:t>
             </a:fld>
             <a:endParaRPr lang="en-US" dirty="0"/>
           </a:p>
@@ -2321,7 +2290,6 @@
               <a:rPr lang="it-IT"/>
               <a:t>Modifica gli stili del testo dello schema</a:t>
             </a:r>
-            <a:endParaRPr lang="it-IT"/>
           </a:p>
           <a:p>
             <a:pPr lvl="1"/>
@@ -2329,7 +2297,6 @@
               <a:rPr lang="it-IT"/>
               <a:t>Secondo livello</a:t>
             </a:r>
-            <a:endParaRPr lang="it-IT"/>
           </a:p>
           <a:p>
             <a:pPr lvl="2"/>
@@ -2337,7 +2304,6 @@
               <a:rPr lang="it-IT"/>
               <a:t>Terzo livello</a:t>
             </a:r>
-            <a:endParaRPr lang="it-IT"/>
           </a:p>
           <a:p>
             <a:pPr lvl="3"/>
@@ -2345,7 +2311,6 @@
               <a:rPr lang="it-IT"/>
               <a:t>Quarto livello</a:t>
             </a:r>
-            <a:endParaRPr lang="it-IT"/>
           </a:p>
           <a:p>
             <a:pPr lvl="4"/>
@@ -2374,6 +2339,7 @@
           <a:p>
             <a:fld id="{7E5E0FA7-C445-42F7-AF66-A4F5A6FC8A9C}" type="datetimeFigureOut">
               <a:rPr lang="en-US" smtClean="0"/>
+              <a:t>2/18/2021</a:t>
             </a:fld>
             <a:endParaRPr lang="en-US" dirty="0"/>
           </a:p>
@@ -2497,6 +2463,7 @@
           <a:p>
             <a:fld id="{4FAB73BC-B049-4115-A692-8D63A059BFB8}" type="slidenum">
               <a:rPr lang="en-US" smtClean="0"/>
+              <a:t>‹#›</a:t>
             </a:fld>
             <a:endParaRPr lang="en-US" dirty="0"/>
           </a:p>
@@ -2580,7 +2547,6 @@
               <a:rPr lang="it-IT"/>
               <a:t>Modifica gli stili del testo dello schema</a:t>
             </a:r>
-            <a:endParaRPr lang="it-IT"/>
           </a:p>
           <a:p>
             <a:pPr lvl="1"/>
@@ -2588,7 +2554,6 @@
               <a:rPr lang="it-IT"/>
               <a:t>Secondo livello</a:t>
             </a:r>
-            <a:endParaRPr lang="it-IT"/>
           </a:p>
           <a:p>
             <a:pPr lvl="2"/>
@@ -2596,7 +2561,6 @@
               <a:rPr lang="it-IT"/>
               <a:t>Terzo livello</a:t>
             </a:r>
-            <a:endParaRPr lang="it-IT"/>
           </a:p>
           <a:p>
             <a:pPr lvl="3"/>
@@ -2604,7 +2568,6 @@
               <a:rPr lang="it-IT"/>
               <a:t>Quarto livello</a:t>
             </a:r>
-            <a:endParaRPr lang="it-IT"/>
           </a:p>
           <a:p>
             <a:pPr lvl="4"/>
@@ -2633,6 +2596,7 @@
           <a:p>
             <a:fld id="{52E37674-C1BA-4107-9B06-6D4CAC3A3DF5}" type="datetimeFigureOut">
               <a:rPr lang="en-US" smtClean="0"/>
+              <a:t>2/18/2021</a:t>
             </a:fld>
             <a:endParaRPr lang="en-US" dirty="0"/>
           </a:p>
@@ -2756,6 +2720,7 @@
           <a:p>
             <a:fld id="{4FAB73BC-B049-4115-A692-8D63A059BFB8}" type="slidenum">
               <a:rPr lang="en-US" smtClean="0"/>
+              <a:t>‹#›</a:t>
             </a:fld>
             <a:endParaRPr lang="en-US" dirty="0"/>
           </a:p>
@@ -2840,7 +2805,6 @@
               <a:rPr lang="it-IT"/>
               <a:t>Modifica gli stili del testo dello schema</a:t>
             </a:r>
-            <a:endParaRPr lang="it-IT"/>
           </a:p>
           <a:p>
             <a:pPr lvl="1"/>
@@ -2848,7 +2812,6 @@
               <a:rPr lang="it-IT"/>
               <a:t>Secondo livello</a:t>
             </a:r>
-            <a:endParaRPr lang="it-IT"/>
           </a:p>
           <a:p>
             <a:pPr lvl="2"/>
@@ -2856,7 +2819,6 @@
               <a:rPr lang="it-IT"/>
               <a:t>Terzo livello</a:t>
             </a:r>
-            <a:endParaRPr lang="it-IT"/>
           </a:p>
           <a:p>
             <a:pPr lvl="3"/>
@@ -2864,7 +2826,6 @@
               <a:rPr lang="it-IT"/>
               <a:t>Quarto livello</a:t>
             </a:r>
-            <a:endParaRPr lang="it-IT"/>
           </a:p>
           <a:p>
             <a:pPr lvl="4"/>
@@ -2893,6 +2854,7 @@
           <a:p>
             <a:fld id="{8A4C08AF-84E6-4329-8E67-FEA434B47075}" type="datetimeFigureOut">
               <a:rPr lang="en-US" smtClean="0"/>
+              <a:t>2/18/2021</a:t>
             </a:fld>
             <a:endParaRPr lang="en-US" dirty="0"/>
           </a:p>
@@ -3016,6 +2978,7 @@
           <a:p>
             <a:fld id="{4FAB73BC-B049-4115-A692-8D63A059BFB8}" type="slidenum">
               <a:rPr lang="en-US" smtClean="0"/>
+              <a:t>‹#›</a:t>
             </a:fld>
             <a:endParaRPr lang="en-US" dirty="0"/>
           </a:p>
@@ -3195,7 +3158,6 @@
               <a:rPr lang="it-IT"/>
               <a:t>Modifica gli stili del testo dello schema</a:t>
             </a:r>
-            <a:endParaRPr lang="it-IT"/>
           </a:p>
         </p:txBody>
       </p:sp>
@@ -3216,6 +3178,7 @@
           <a:p>
             <a:fld id="{4F6EE328-6AFF-436B-881F-213D56084544}" type="datetimeFigureOut">
               <a:rPr lang="en-US" smtClean="0"/>
+              <a:t>2/18/2021</a:t>
             </a:fld>
             <a:endParaRPr lang="en-US" dirty="0"/>
           </a:p>
@@ -3344,6 +3307,7 @@
           <a:p>
             <a:fld id="{4FAB73BC-B049-4115-A692-8D63A059BFB8}" type="slidenum">
               <a:rPr lang="en-US" smtClean="0"/>
+              <a:t>‹#›</a:t>
             </a:fld>
             <a:endParaRPr lang="en-US" dirty="0"/>
           </a:p>
@@ -3424,7 +3388,6 @@
               <a:rPr lang="it-IT"/>
               <a:t>Modifica gli stili del testo dello schema</a:t>
             </a:r>
-            <a:endParaRPr lang="it-IT"/>
           </a:p>
           <a:p>
             <a:pPr lvl="1"/>
@@ -3432,7 +3395,6 @@
               <a:rPr lang="it-IT"/>
               <a:t>Secondo livello</a:t>
             </a:r>
-            <a:endParaRPr lang="it-IT"/>
           </a:p>
           <a:p>
             <a:pPr lvl="2"/>
@@ -3440,7 +3402,6 @@
               <a:rPr lang="it-IT"/>
               <a:t>Terzo livello</a:t>
             </a:r>
-            <a:endParaRPr lang="it-IT"/>
           </a:p>
           <a:p>
             <a:pPr lvl="3"/>
@@ -3448,7 +3409,6 @@
               <a:rPr lang="it-IT"/>
               <a:t>Quarto livello</a:t>
             </a:r>
-            <a:endParaRPr lang="it-IT"/>
           </a:p>
           <a:p>
             <a:pPr lvl="4"/>
@@ -3487,7 +3447,6 @@
               <a:rPr lang="it-IT"/>
               <a:t>Modifica gli stili del testo dello schema</a:t>
             </a:r>
-            <a:endParaRPr lang="it-IT"/>
           </a:p>
           <a:p>
             <a:pPr lvl="1"/>
@@ -3495,7 +3454,6 @@
               <a:rPr lang="it-IT"/>
               <a:t>Secondo livello</a:t>
             </a:r>
-            <a:endParaRPr lang="it-IT"/>
           </a:p>
           <a:p>
             <a:pPr lvl="2"/>
@@ -3503,7 +3461,6 @@
               <a:rPr lang="it-IT"/>
               <a:t>Terzo livello</a:t>
             </a:r>
-            <a:endParaRPr lang="it-IT"/>
           </a:p>
           <a:p>
             <a:pPr lvl="3"/>
@@ -3511,7 +3468,6 @@
               <a:rPr lang="it-IT"/>
               <a:t>Quarto livello</a:t>
             </a:r>
-            <a:endParaRPr lang="it-IT"/>
           </a:p>
           <a:p>
             <a:pPr lvl="4"/>
@@ -3540,6 +3496,7 @@
           <a:p>
             <a:fld id="{AE02069A-09EE-4C7C-86A4-2314A404921D}" type="datetimeFigureOut">
               <a:rPr lang="en-US" smtClean="0"/>
+              <a:t>2/18/2021</a:t>
             </a:fld>
             <a:endParaRPr lang="en-US" dirty="0"/>
           </a:p>
@@ -3668,6 +3625,7 @@
           <a:p>
             <a:fld id="{4FAB73BC-B049-4115-A692-8D63A059BFB8}" type="slidenum">
               <a:rPr lang="en-US" smtClean="0"/>
+              <a:t>‹#›</a:t>
             </a:fld>
             <a:endParaRPr lang="en-US" dirty="0"/>
           </a:p>
@@ -3785,7 +3743,6 @@
               <a:rPr lang="it-IT"/>
               <a:t>Modifica gli stili del testo dello schema</a:t>
             </a:r>
-            <a:endParaRPr lang="it-IT"/>
           </a:p>
         </p:txBody>
       </p:sp>
@@ -3816,7 +3773,6 @@
               <a:rPr lang="it-IT"/>
               <a:t>Modifica gli stili del testo dello schema</a:t>
             </a:r>
-            <a:endParaRPr lang="it-IT"/>
           </a:p>
           <a:p>
             <a:pPr lvl="1"/>
@@ -3824,7 +3780,6 @@
               <a:rPr lang="it-IT"/>
               <a:t>Secondo livello</a:t>
             </a:r>
-            <a:endParaRPr lang="it-IT"/>
           </a:p>
           <a:p>
             <a:pPr lvl="2"/>
@@ -3832,7 +3787,6 @@
               <a:rPr lang="it-IT"/>
               <a:t>Terzo livello</a:t>
             </a:r>
-            <a:endParaRPr lang="it-IT"/>
           </a:p>
           <a:p>
             <a:pPr lvl="3"/>
@@ -3840,7 +3794,6 @@
               <a:rPr lang="it-IT"/>
               <a:t>Quarto livello</a:t>
             </a:r>
-            <a:endParaRPr lang="it-IT"/>
           </a:p>
           <a:p>
             <a:pPr lvl="4"/>
@@ -3916,7 +3869,6 @@
               <a:rPr lang="it-IT"/>
               <a:t>Modifica gli stili del testo dello schema</a:t>
             </a:r>
-            <a:endParaRPr lang="it-IT"/>
           </a:p>
         </p:txBody>
       </p:sp>
@@ -3947,7 +3899,6 @@
               <a:rPr lang="it-IT"/>
               <a:t>Modifica gli stili del testo dello schema</a:t>
             </a:r>
-            <a:endParaRPr lang="it-IT"/>
           </a:p>
           <a:p>
             <a:pPr lvl="1"/>
@@ -3955,7 +3906,6 @@
               <a:rPr lang="it-IT"/>
               <a:t>Secondo livello</a:t>
             </a:r>
-            <a:endParaRPr lang="it-IT"/>
           </a:p>
           <a:p>
             <a:pPr lvl="2"/>
@@ -3963,7 +3913,6 @@
               <a:rPr lang="it-IT"/>
               <a:t>Terzo livello</a:t>
             </a:r>
-            <a:endParaRPr lang="it-IT"/>
           </a:p>
           <a:p>
             <a:pPr lvl="3"/>
@@ -3971,7 +3920,6 @@
               <a:rPr lang="it-IT"/>
               <a:t>Quarto livello</a:t>
             </a:r>
-            <a:endParaRPr lang="it-IT"/>
           </a:p>
           <a:p>
             <a:pPr lvl="4"/>
@@ -4000,6 +3948,7 @@
           <a:p>
             <a:fld id="{D56EE7F1-171E-411F-96CA-A251A21496E7}" type="datetimeFigureOut">
               <a:rPr lang="en-US" smtClean="0"/>
+              <a:t>2/18/2021</a:t>
             </a:fld>
             <a:endParaRPr lang="en-US" dirty="0"/>
           </a:p>
@@ -4128,6 +4077,7 @@
           <a:p>
             <a:fld id="{4FAB73BC-B049-4115-A692-8D63A059BFB8}" type="slidenum">
               <a:rPr lang="en-US" smtClean="0"/>
+              <a:t>‹#›</a:t>
             </a:fld>
             <a:endParaRPr lang="en-US" dirty="0"/>
           </a:p>
@@ -4198,6 +4148,7 @@
           <a:p>
             <a:fld id="{8872C98D-A273-4547-9B92-97D7769F71A6}" type="datetimeFigureOut">
               <a:rPr lang="en-US" smtClean="0"/>
+              <a:t>2/18/2021</a:t>
             </a:fld>
             <a:endParaRPr lang="en-US" dirty="0"/>
           </a:p>
@@ -4321,6 +4272,7 @@
           <a:p>
             <a:fld id="{4FAB73BC-B049-4115-A692-8D63A059BFB8}" type="slidenum">
               <a:rPr lang="en-US" smtClean="0"/>
+              <a:t>‹#›</a:t>
             </a:fld>
             <a:endParaRPr lang="en-US" dirty="0"/>
           </a:p>
@@ -4368,6 +4320,7 @@
           <a:p>
             <a:fld id="{BAB7CD67-0644-446C-B2AD-1C09BF34F286}" type="datetimeFigureOut">
               <a:rPr lang="en-US" smtClean="0"/>
+              <a:t>2/18/2021</a:t>
             </a:fld>
             <a:endParaRPr lang="en-US" dirty="0"/>
           </a:p>
@@ -4491,6 +4444,7 @@
           <a:p>
             <a:fld id="{4FAB73BC-B049-4115-A692-8D63A059BFB8}" type="slidenum">
               <a:rPr lang="en-US" smtClean="0"/>
+              <a:t>‹#›</a:t>
             </a:fld>
             <a:endParaRPr lang="en-US" dirty="0"/>
           </a:p>
@@ -4580,7 +4534,6 @@
               <a:rPr lang="it-IT"/>
               <a:t>Modifica gli stili del testo dello schema</a:t>
             </a:r>
-            <a:endParaRPr lang="it-IT"/>
           </a:p>
           <a:p>
             <a:pPr lvl="1"/>
@@ -4588,7 +4541,6 @@
               <a:rPr lang="it-IT"/>
               <a:t>Secondo livello</a:t>
             </a:r>
-            <a:endParaRPr lang="it-IT"/>
           </a:p>
           <a:p>
             <a:pPr lvl="2"/>
@@ -4596,7 +4548,6 @@
               <a:rPr lang="it-IT"/>
               <a:t>Terzo livello</a:t>
             </a:r>
-            <a:endParaRPr lang="it-IT"/>
           </a:p>
           <a:p>
             <a:pPr lvl="3"/>
@@ -4604,7 +4555,6 @@
               <a:rPr lang="it-IT"/>
               <a:t>Quarto livello</a:t>
             </a:r>
-            <a:endParaRPr lang="it-IT"/>
           </a:p>
           <a:p>
             <a:pPr lvl="4"/>
@@ -4678,7 +4628,6 @@
               <a:rPr lang="it-IT"/>
               <a:t>Modifica gli stili del testo dello schema</a:t>
             </a:r>
-            <a:endParaRPr lang="it-IT"/>
           </a:p>
         </p:txBody>
       </p:sp>
@@ -4699,6 +4648,7 @@
           <a:p>
             <a:fld id="{81480828-6983-48AD-9E27-CBD3696F837E}" type="datetimeFigureOut">
               <a:rPr lang="en-US" smtClean="0"/>
+              <a:t>2/18/2021</a:t>
             </a:fld>
             <a:endParaRPr lang="en-US" dirty="0"/>
           </a:p>
@@ -4822,6 +4772,7 @@
           <a:p>
             <a:fld id="{4FAB73BC-B049-4115-A692-8D63A059BFB8}" type="slidenum">
               <a:rPr lang="en-US" smtClean="0"/>
+              <a:t>‹#›</a:t>
             </a:fld>
             <a:endParaRPr lang="en-US" dirty="0"/>
           </a:p>
@@ -5017,7 +4968,6 @@
               <a:rPr lang="it-IT"/>
               <a:t>Modifica gli stili del testo dello schema</a:t>
             </a:r>
-            <a:endParaRPr lang="it-IT"/>
           </a:p>
         </p:txBody>
       </p:sp>
@@ -5038,6 +4988,7 @@
           <a:p>
             <a:fld id="{2C5EFB91-0324-450E-B17F-36DC0ECCE413}" type="datetimeFigureOut">
               <a:rPr lang="en-US" smtClean="0"/>
+              <a:t>2/18/2021</a:t>
             </a:fld>
             <a:endParaRPr lang="en-US" dirty="0"/>
           </a:p>
@@ -5166,6 +5117,7 @@
           <a:p>
             <a:fld id="{4FAB73BC-B049-4115-A692-8D63A059BFB8}" type="slidenum">
               <a:rPr lang="en-US" smtClean="0"/>
+              <a:t>‹#›</a:t>
             </a:fld>
             <a:endParaRPr lang="en-US" dirty="0"/>
           </a:p>
@@ -7081,7 +7033,6 @@
               <a:rPr lang="it-IT"/>
               <a:t>Modifica gli stili del testo dello schema</a:t>
             </a:r>
-            <a:endParaRPr lang="it-IT"/>
           </a:p>
           <a:p>
             <a:pPr lvl="1"/>
@@ -7089,7 +7040,6 @@
               <a:rPr lang="it-IT"/>
               <a:t>Secondo livello</a:t>
             </a:r>
-            <a:endParaRPr lang="it-IT"/>
           </a:p>
           <a:p>
             <a:pPr lvl="2"/>
@@ -7097,7 +7047,6 @@
               <a:rPr lang="it-IT"/>
               <a:t>Terzo livello</a:t>
             </a:r>
-            <a:endParaRPr lang="it-IT"/>
           </a:p>
           <a:p>
             <a:pPr lvl="3"/>
@@ -7105,7 +7054,6 @@
               <a:rPr lang="it-IT"/>
               <a:t>Quarto livello</a:t>
             </a:r>
-            <a:endParaRPr lang="it-IT"/>
           </a:p>
           <a:p>
             <a:pPr lvl="4"/>
@@ -7152,6 +7100,7 @@
           <a:p>
             <a:fld id="{52E37674-C1BA-4107-9B06-6D4CAC3A3DF5}" type="datetimeFigureOut">
               <a:rPr lang="en-US" smtClean="0"/>
+              <a:t>2/18/2021</a:t>
             </a:fld>
             <a:endParaRPr lang="en-US" dirty="0"/>
           </a:p>
@@ -7227,6 +7176,7 @@
           <a:p>
             <a:fld id="{4FAB73BC-B049-4115-A692-8D63A059BFB8}" type="slidenum">
               <a:rPr lang="en-US" smtClean="0"/>
+              <a:t>‹#›</a:t>
             </a:fld>
             <a:endParaRPr lang="en-US" dirty="0"/>
           </a:p>
@@ -7739,7 +7689,7 @@
         <p:nvGrpSpPr>
           <p:cNvPr id="66" name="Group 32"/>
           <p:cNvGrpSpPr>
-            <a:grpSpLocks noGrp="1" noRot="1" noChangeAspect="1" noMove="1" noResize="1" noUngrp="1"/>
+            <a:grpSpLocks noGrp="1" noUngrp="1" noRot="1" noChangeAspect="1" noMove="1" noResize="1"/>
           </p:cNvGrpSpPr>
           <p:nvPr/>
         </p:nvGrpSpPr>
@@ -8671,13 +8621,6 @@
               </a:rPr>
               <a:t>Presentation by </a:t>
             </a:r>
-            <a:endParaRPr lang="it-IT" dirty="0">
-              <a:solidFill>
-                <a:schemeClr val="tx2">
-                  <a:lumMod val="75000"/>
-                </a:schemeClr>
-              </a:solidFill>
-            </a:endParaRPr>
           </a:p>
           <a:p>
             <a:r>
@@ -8690,13 +8633,6 @@
               </a:rPr>
               <a:t>Elena Bonan</a:t>
             </a:r>
-            <a:endParaRPr lang="it-IT" dirty="0">
-              <a:solidFill>
-                <a:schemeClr val="tx2">
-                  <a:lumMod val="75000"/>
-                </a:schemeClr>
-              </a:solidFill>
-            </a:endParaRPr>
           </a:p>
         </p:txBody>
       </p:sp>
@@ -8898,7 +8834,6 @@
               <a:rPr lang="it-IT" dirty="0"/>
               <a:t>Other devices </a:t>
             </a:r>
-            <a:endParaRPr lang="it-IT" dirty="0"/>
           </a:p>
         </p:txBody>
       </p:sp>
@@ -8976,7 +8911,7 @@
           <p:nvPr/>
         </p:nvPicPr>
         <p:blipFill>
-          <a:blip r:embed="rId1"/>
+          <a:blip r:embed="rId2"/>
           <a:stretch>
             <a:fillRect/>
           </a:stretch>
@@ -9339,7 +9274,6 @@
               <a:rPr lang="it-IT" sz="2400" b="1" dirty="0"/>
               <a:t>          Wednesday 2010-10-08 </a:t>
             </a:r>
-            <a:endParaRPr lang="it-IT" sz="2400" b="1" dirty="0"/>
           </a:p>
         </p:txBody>
       </p:sp>
@@ -9371,7 +9305,6 @@
               <a:rPr lang="it-IT" dirty="0"/>
               <a:t>8:20</a:t>
             </a:r>
-            <a:endParaRPr lang="it-IT" dirty="0"/>
           </a:p>
         </p:txBody>
       </p:sp>
@@ -9403,7 +9336,6 @@
               <a:rPr lang="it-IT" dirty="0"/>
               <a:t>16:40</a:t>
             </a:r>
-            <a:endParaRPr lang="it-IT" dirty="0"/>
           </a:p>
         </p:txBody>
       </p:sp>
@@ -9435,7 +9367,6 @@
               <a:rPr lang="it-IT" dirty="0"/>
               <a:t>23:59</a:t>
             </a:r>
-            <a:endParaRPr lang="it-IT" dirty="0"/>
           </a:p>
         </p:txBody>
       </p:sp>
@@ -9842,7 +9773,7 @@
           </p:nvPr>
         </p:nvPicPr>
         <p:blipFill>
-          <a:blip r:embed="rId1"/>
+          <a:blip r:embed="rId2"/>
           <a:stretch>
             <a:fillRect/>
           </a:stretch>
@@ -9857,30 +9788,6 @@
       <p:pic>
         <p:nvPicPr>
           <p:cNvPr id="26" name="Immagine 25"/>
-          <p:cNvPicPr>
-            <a:picLocks noChangeAspect="1"/>
-          </p:cNvPicPr>
-          <p:nvPr/>
-        </p:nvPicPr>
-        <p:blipFill>
-          <a:blip r:embed="rId2"/>
-          <a:stretch>
-            <a:fillRect/>
-          </a:stretch>
-        </p:blipFill>
-        <p:spPr>
-          <a:xfrm>
-            <a:off x="8686072" y="3067273"/>
-            <a:ext cx="2914708" cy="1490768"/>
-          </a:xfrm>
-          <a:prstGeom prst="rect">
-            <a:avLst/>
-          </a:prstGeom>
-        </p:spPr>
-      </p:pic>
-      <p:pic>
-        <p:nvPicPr>
-          <p:cNvPr id="34" name="Immagine 33"/>
           <p:cNvPicPr>
             <a:picLocks noChangeAspect="1"/>
           </p:cNvPicPr>
@@ -9894,6 +9801,30 @@
         </p:blipFill>
         <p:spPr>
           <a:xfrm>
+            <a:off x="8686072" y="3067273"/>
+            <a:ext cx="2914708" cy="1490768"/>
+          </a:xfrm>
+          <a:prstGeom prst="rect">
+            <a:avLst/>
+          </a:prstGeom>
+        </p:spPr>
+      </p:pic>
+      <p:pic>
+        <p:nvPicPr>
+          <p:cNvPr id="34" name="Immagine 33"/>
+          <p:cNvPicPr>
+            <a:picLocks noChangeAspect="1"/>
+          </p:cNvPicPr>
+          <p:nvPr/>
+        </p:nvPicPr>
+        <p:blipFill>
+          <a:blip r:embed="rId4"/>
+          <a:stretch>
+            <a:fillRect/>
+          </a:stretch>
+        </p:blipFill>
+        <p:spPr>
+          <a:xfrm>
             <a:off x="8766596" y="4684135"/>
             <a:ext cx="2914709" cy="1490769"/>
           </a:xfrm>
@@ -9911,7 +9842,7 @@
           <p:nvPr/>
         </p:nvPicPr>
         <p:blipFill rotWithShape="1">
-          <a:blip r:embed="rId4"/>
+          <a:blip r:embed="rId5"/>
           <a:srcRect l="21459"/>
           <a:stretch>
             <a:fillRect/>
@@ -9961,7 +9892,6 @@
               <a:rPr lang="it-IT" dirty="0"/>
               <a:t> power: 9376  kWh</a:t>
             </a:r>
-            <a:endParaRPr lang="it-IT" dirty="0"/>
           </a:p>
         </p:txBody>
       </p:sp>
@@ -10030,7 +9960,6 @@
               <a:rPr lang="it-IT" dirty="0"/>
               <a:t> the months</a:t>
             </a:r>
-            <a:endParaRPr lang="it-IT" dirty="0"/>
           </a:p>
         </p:txBody>
       </p:sp>
@@ -10045,7 +9974,7 @@
           </p:nvPr>
         </p:nvPicPr>
         <p:blipFill>
-          <a:blip r:embed="rId1"/>
+          <a:blip r:embed="rId2"/>
           <a:stretch>
             <a:fillRect/>
           </a:stretch>
@@ -10126,7 +10055,6 @@
               <a:rPr lang="it-IT" dirty="0"/>
               <a:t> used</a:t>
             </a:r>
-            <a:endParaRPr lang="it-IT" dirty="0"/>
           </a:p>
         </p:txBody>
       </p:sp>
@@ -10141,7 +10069,7 @@
           </p:nvPr>
         </p:nvPicPr>
         <p:blipFill>
-          <a:blip r:embed="rId1"/>
+          <a:blip r:embed="rId2"/>
           <a:stretch>
             <a:fillRect/>
           </a:stretch>
@@ -10220,7 +10148,6 @@
               <a:rPr lang="it-IT" dirty="0"/>
               <a:t>(M,N,M)</a:t>
             </a:r>
-            <a:endParaRPr lang="it-IT" dirty="0"/>
           </a:p>
         </p:txBody>
       </p:sp>
@@ -10235,7 +10162,7 @@
           </p:nvPr>
         </p:nvPicPr>
         <p:blipFill>
-          <a:blip r:embed="rId1"/>
+          <a:blip r:embed="rId2"/>
           <a:stretch>
             <a:fillRect/>
           </a:stretch>
@@ -10415,13 +10342,6 @@
               </a:rPr>
               <a:t>March</a:t>
             </a:r>
-            <a:endParaRPr lang="it-IT" sz="6000" b="1" dirty="0">
-              <a:solidFill>
-                <a:schemeClr val="bg2">
-                  <a:lumMod val="25000"/>
-                </a:schemeClr>
-              </a:solidFill>
-            </a:endParaRPr>
           </a:p>
         </p:txBody>
       </p:sp>
@@ -10434,7 +10354,7 @@
           <p:nvPr/>
         </p:nvPicPr>
         <p:blipFill>
-          <a:blip r:embed="rId1"/>
+          <a:blip r:embed="rId2"/>
           <a:stretch>
             <a:fillRect/>
           </a:stretch>
@@ -10595,7 +10515,6 @@
               <a:rPr lang="it-IT" sz="4000" dirty="0"/>
               <a:t>80%</a:t>
             </a:r>
-            <a:endParaRPr lang="it-IT" sz="4000" dirty="0"/>
           </a:p>
         </p:txBody>
       </p:sp>
@@ -10629,7 +10548,6 @@
               <a:rPr lang="it-IT" sz="4000" dirty="0"/>
               <a:t> </a:t>
             </a:r>
-            <a:endParaRPr lang="it-IT" sz="4000" dirty="0"/>
           </a:p>
           <a:p>
             <a:r>
@@ -10648,7 +10566,6 @@
               <a:rPr lang="it-IT" sz="4000" dirty="0"/>
               <a:t> in   </a:t>
             </a:r>
-            <a:endParaRPr lang="it-IT" sz="4000" dirty="0"/>
           </a:p>
         </p:txBody>
       </p:sp>
@@ -10720,7 +10637,6 @@
               <a:rPr lang="it-IT" sz="4000" dirty="0"/>
               <a:t>95%</a:t>
             </a:r>
-            <a:endParaRPr lang="it-IT" sz="4000" dirty="0"/>
           </a:p>
         </p:txBody>
       </p:sp>
@@ -11281,13 +11197,6 @@
               </a:rPr>
               <a:t> </a:t>
             </a:r>
-            <a:endParaRPr lang="it-IT" b="1" dirty="0">
-              <a:solidFill>
-                <a:schemeClr val="accent4">
-                  <a:lumMod val="75000"/>
-                </a:schemeClr>
-              </a:solidFill>
-            </a:endParaRPr>
           </a:p>
         </p:txBody>
       </p:sp>
@@ -11325,7 +11234,6 @@
               <a:rPr lang="it-IT" sz="3200" dirty="0"/>
               <a:t> devices </a:t>
             </a:r>
-            <a:endParaRPr lang="it-IT" sz="3200" dirty="0"/>
           </a:p>
           <a:p>
             <a:pPr marL="0" indent="0">
@@ -11387,7 +11295,6 @@
               <a:rPr lang="it-IT" sz="3200" dirty="0"/>
               <a:t> </a:t>
             </a:r>
-            <a:endParaRPr lang="it-IT" sz="3200" dirty="0"/>
           </a:p>
         </p:txBody>
       </p:sp>
@@ -11514,11 +11421,6 @@
               </a:rPr>
               <a:t>monitor the devices </a:t>
             </a:r>
-            <a:endParaRPr lang="it-IT" sz="3200" dirty="0">
-              <a:solidFill>
-                <a:schemeClr val="tx1"/>
-              </a:solidFill>
-            </a:endParaRPr>
           </a:p>
           <a:p>
             <a:r>
@@ -12056,7 +11958,6 @@
               <a:rPr lang="it-IT" dirty="0"/>
               <a:t>INFORMATION ABOUT THE MODEL </a:t>
             </a:r>
-            <a:endParaRPr lang="it-IT" dirty="0"/>
           </a:p>
         </p:txBody>
       </p:sp>
@@ -12099,7 +12000,7 @@
             </a:r>
             <a:r>
               <a:rPr lang="en-GB" sz="2400" dirty="0"/>
-              <a:t>5.44  TESTING :     5.40 </a:t>
+              <a:t>5.4  TESTING :     7.7</a:t>
             </a:r>
             <a:endParaRPr lang="it-IT" sz="2400" dirty="0"/>
           </a:p>
@@ -12114,7 +12015,7 @@
           <p:nvPr/>
         </p:nvPicPr>
         <p:blipFill>
-          <a:blip r:embed="rId1"/>
+          <a:blip r:embed="rId2"/>
           <a:stretch>
             <a:fillRect/>
           </a:stretch>
@@ -12159,7 +12060,6 @@
               <a:rPr lang="it-IT" dirty="0"/>
               <a:t> in the training test</a:t>
             </a:r>
-            <a:endParaRPr lang="it-IT" dirty="0"/>
           </a:p>
         </p:txBody>
       </p:sp>
@@ -12220,13 +12120,6 @@
               </a:rPr>
               <a:t>GOAL </a:t>
             </a:r>
-            <a:endParaRPr lang="it-IT" sz="4400" b="1" dirty="0">
-              <a:solidFill>
-                <a:schemeClr val="accent4">
-                  <a:lumMod val="75000"/>
-                </a:schemeClr>
-              </a:solidFill>
-            </a:endParaRPr>
           </a:p>
         </p:txBody>
       </p:sp>
@@ -12281,7 +12174,6 @@
               <a:rPr lang="it-IT" sz="3200" b="1" dirty="0"/>
               <a:t> </a:t>
             </a:r>
-            <a:endParaRPr lang="it-IT" sz="3200" b="1" dirty="0"/>
           </a:p>
           <a:p>
             <a:pPr marL="0" indent="0">
@@ -12299,7 +12191,6 @@
               <a:rPr lang="it-IT" sz="3200" dirty="0"/>
               <a:t> </a:t>
             </a:r>
-            <a:endParaRPr lang="it-IT" sz="3200" dirty="0"/>
           </a:p>
           <a:p>
             <a:pPr marL="0" indent="0">
@@ -12317,7 +12208,6 @@
               <a:rPr lang="it-IT" sz="3200" dirty="0"/>
               <a:t> from the </a:t>
             </a:r>
-            <a:endParaRPr lang="it-IT" sz="3200" dirty="0"/>
           </a:p>
           <a:p>
             <a:pPr marL="0" indent="0">
@@ -12335,7 +12225,6 @@
               <a:rPr lang="it-IT" sz="3200" dirty="0"/>
               <a:t> devices </a:t>
             </a:r>
-            <a:endParaRPr lang="it-IT" sz="3200" dirty="0"/>
           </a:p>
         </p:txBody>
       </p:sp>
@@ -12348,7 +12237,7 @@
           <p:nvPr/>
         </p:nvPicPr>
         <p:blipFill>
-          <a:blip r:embed="rId1"/>
+          <a:blip r:embed="rId2"/>
           <a:stretch>
             <a:fillRect/>
           </a:stretch>
@@ -12456,13 +12345,6 @@
               </a:rPr>
               <a:t> sample  </a:t>
             </a:r>
-            <a:endParaRPr lang="it-IT" b="1" dirty="0">
-              <a:solidFill>
-                <a:schemeClr val="bg2">
-                  <a:lumMod val="25000"/>
-                </a:schemeClr>
-              </a:solidFill>
-            </a:endParaRPr>
           </a:p>
         </p:txBody>
       </p:sp>
@@ -12499,11 +12381,6 @@
               </a:rPr>
               <a:t>A big house </a:t>
             </a:r>
-            <a:endParaRPr lang="it-IT" sz="3200" b="1" dirty="0">
-              <a:solidFill>
-                <a:srgbClr val="000000"/>
-              </a:solidFill>
-            </a:endParaRPr>
           </a:p>
           <a:p>
             <a:pPr marL="0" indent="0">
@@ -12549,11 +12426,6 @@
               </a:rPr>
               <a:t>)</a:t>
             </a:r>
-            <a:endParaRPr lang="it-IT" sz="3200" b="1" dirty="0">
-              <a:solidFill>
-                <a:srgbClr val="000000"/>
-              </a:solidFill>
-            </a:endParaRPr>
           </a:p>
           <a:p>
             <a:pPr marL="0" indent="0">
@@ -12567,11 +12439,6 @@
               </a:rPr>
               <a:t>in Nord of France</a:t>
             </a:r>
-            <a:endParaRPr lang="it-IT" sz="3200" b="1" dirty="0">
-              <a:solidFill>
-                <a:srgbClr val="000000"/>
-              </a:solidFill>
-            </a:endParaRPr>
           </a:p>
           <a:p>
             <a:pPr marL="0" indent="0">
@@ -12609,11 +12476,6 @@
               </a:rPr>
               <a:t> </a:t>
             </a:r>
-            <a:endParaRPr lang="it-IT" sz="3200" b="1" dirty="0">
-              <a:solidFill>
-                <a:srgbClr val="000000"/>
-              </a:solidFill>
-            </a:endParaRPr>
           </a:p>
           <a:p>
             <a:pPr marL="0" indent="0">
@@ -12637,11 +12499,6 @@
               </a:rPr>
               <a:t>from    2007-01-01</a:t>
             </a:r>
-            <a:endParaRPr lang="it-IT" sz="3200" b="1" dirty="0">
-              <a:solidFill>
-                <a:srgbClr val="000000"/>
-              </a:solidFill>
-            </a:endParaRPr>
           </a:p>
           <a:p>
             <a:pPr marL="0" indent="0">
@@ -12655,11 +12512,6 @@
               </a:rPr>
               <a:t> to        2010-11-26</a:t>
             </a:r>
-            <a:endParaRPr lang="it-IT" sz="3200" b="1" dirty="0">
-              <a:solidFill>
-                <a:srgbClr val="000000"/>
-              </a:solidFill>
-            </a:endParaRPr>
           </a:p>
           <a:p>
             <a:pPr marL="0" indent="0">
@@ -12699,7 +12551,7 @@
           <p:nvPr/>
         </p:nvPicPr>
         <p:blipFill rotWithShape="1">
-          <a:blip r:embed="rId1"/>
+          <a:blip r:embed="rId2"/>
           <a:srcRect l="11893" r="10191" b="-3"/>
           <a:stretch>
             <a:fillRect/>
@@ -12845,13 +12697,6 @@
               </a:rPr>
               <a:t> </a:t>
             </a:r>
-            <a:endParaRPr lang="it-IT" dirty="0">
-              <a:solidFill>
-                <a:schemeClr val="tx2">
-                  <a:lumMod val="75000"/>
-                </a:schemeClr>
-              </a:solidFill>
-            </a:endParaRPr>
           </a:p>
         </p:txBody>
       </p:sp>
@@ -12935,7 +12780,7 @@
         <p:nvGrpSpPr>
           <p:cNvPr id="15" name="Group 14"/>
           <p:cNvGrpSpPr>
-            <a:grpSpLocks noGrp="1" noRot="1" noChangeAspect="1" noMove="1" noResize="1" noUngrp="1"/>
+            <a:grpSpLocks noGrp="1" noUngrp="1" noRot="1" noChangeAspect="1" noMove="1" noResize="1"/>
           </p:cNvGrpSpPr>
           <p:nvPr/>
         </p:nvGrpSpPr>
@@ -13797,13 +13642,6 @@
               </a:rPr>
               <a:t> </a:t>
             </a:r>
-            <a:endParaRPr lang="it-IT" dirty="0">
-              <a:solidFill>
-                <a:schemeClr val="tx2">
-                  <a:lumMod val="75000"/>
-                </a:schemeClr>
-              </a:solidFill>
-            </a:endParaRPr>
           </a:p>
           <a:p>
             <a:pPr marL="0" indent="0">
@@ -13906,13 +13744,6 @@
               </a:rPr>
               <a:t> </a:t>
             </a:r>
-            <a:endParaRPr lang="it-IT" sz="2400" dirty="0">
-              <a:solidFill>
-                <a:schemeClr val="accent4">
-                  <a:lumMod val="75000"/>
-                </a:schemeClr>
-              </a:solidFill>
-            </a:endParaRPr>
           </a:p>
           <a:p>
             <a:endParaRPr lang="it-IT" sz="2400" dirty="0">
@@ -13964,13 +13795,6 @@
               </a:rPr>
               <a:t> 1  </a:t>
             </a:r>
-            <a:endParaRPr lang="it-IT" sz="2400" b="1" dirty="0">
-              <a:solidFill>
-                <a:schemeClr val="accent4">
-                  <a:lumMod val="75000"/>
-                </a:schemeClr>
-              </a:solidFill>
-            </a:endParaRPr>
           </a:p>
           <a:p>
             <a:r>
@@ -13997,13 +13821,6 @@
               </a:rPr>
               <a:t>)</a:t>
             </a:r>
-            <a:endParaRPr lang="it-IT" sz="2400" b="1" dirty="0">
-              <a:solidFill>
-                <a:schemeClr val="accent4">
-                  <a:lumMod val="75000"/>
-                </a:schemeClr>
-              </a:solidFill>
-            </a:endParaRPr>
           </a:p>
           <a:p>
             <a:r>
@@ -14016,13 +13833,6 @@
               </a:rPr>
               <a:t>     </a:t>
             </a:r>
-            <a:endParaRPr lang="it-IT" sz="2400" b="1" dirty="0">
-              <a:solidFill>
-                <a:schemeClr val="accent4">
-                  <a:lumMod val="75000"/>
-                </a:schemeClr>
-              </a:solidFill>
-            </a:endParaRPr>
           </a:p>
           <a:p>
             <a:r>
@@ -14055,13 +13865,6 @@
               </a:rPr>
               <a:t> 2 </a:t>
             </a:r>
-            <a:endParaRPr lang="it-IT" sz="2400" b="1" dirty="0">
-              <a:solidFill>
-                <a:schemeClr val="accent4">
-                  <a:lumMod val="75000"/>
-                </a:schemeClr>
-              </a:solidFill>
-            </a:endParaRPr>
           </a:p>
           <a:p>
             <a:r>
@@ -14078,7 +13881,6 @@
               <a:rPr lang="en-US" sz="2400" dirty="0"/>
               <a:t>a washing-machine, a tumble-drier, </a:t>
             </a:r>
-            <a:endParaRPr lang="en-US" sz="2400" dirty="0"/>
           </a:p>
           <a:p>
             <a:r>
@@ -14095,13 +13897,6 @@
               </a:rPr>
               <a:t>)</a:t>
             </a:r>
-            <a:endParaRPr lang="it-IT" sz="2400" b="1" dirty="0">
-              <a:solidFill>
-                <a:schemeClr val="accent4">
-                  <a:lumMod val="75000"/>
-                </a:schemeClr>
-              </a:solidFill>
-            </a:endParaRPr>
           </a:p>
           <a:p>
             <a:r>
@@ -14134,13 +13929,6 @@
               </a:rPr>
               <a:t> 3  </a:t>
             </a:r>
-            <a:endParaRPr lang="it-IT" sz="2400" b="1" dirty="0">
-              <a:solidFill>
-                <a:schemeClr val="accent4">
-                  <a:lumMod val="75000"/>
-                </a:schemeClr>
-              </a:solidFill>
-            </a:endParaRPr>
           </a:p>
           <a:p>
             <a:r>
@@ -14173,7 +13961,6 @@
               <a:rPr lang="it-IT" sz="2400" dirty="0"/>
               <a:t>)</a:t>
             </a:r>
-            <a:endParaRPr lang="it-IT" sz="2400" dirty="0"/>
           </a:p>
           <a:p>
             <a:endParaRPr lang="it-IT" sz="2400" b="1" dirty="0">
@@ -14215,13 +14002,6 @@
               </a:rPr>
               <a:t> the other devices</a:t>
             </a:r>
-            <a:endParaRPr lang="it-IT" sz="2400" b="1" dirty="0">
-              <a:solidFill>
-                <a:schemeClr val="accent4">
-                  <a:lumMod val="75000"/>
-                </a:schemeClr>
-              </a:solidFill>
-            </a:endParaRPr>
           </a:p>
           <a:p>
             <a:r>
@@ -14266,13 +14046,6 @@
               </a:rPr>
               <a:t>)</a:t>
             </a:r>
-            <a:endParaRPr lang="it-IT" sz="2400" b="1" dirty="0">
-              <a:solidFill>
-                <a:schemeClr val="bg2">
-                  <a:lumMod val="25000"/>
-                </a:schemeClr>
-              </a:solidFill>
-            </a:endParaRPr>
           </a:p>
         </p:txBody>
       </p:sp>
@@ -14511,7 +14284,6 @@
               <a:rPr lang="it-IT" sz="3600" dirty="0"/>
               <a:t>  by</a:t>
             </a:r>
-            <a:endParaRPr lang="it-IT" sz="3600" dirty="0"/>
           </a:p>
         </p:txBody>
       </p:sp>
@@ -14541,7 +14313,6 @@
               <a:rPr lang="it-IT" sz="3600" dirty="0"/>
               <a:t>Hour/minute </a:t>
             </a:r>
-            <a:endParaRPr lang="it-IT" sz="3600" dirty="0"/>
           </a:p>
         </p:txBody>
       </p:sp>
@@ -14571,7 +14342,6 @@
               <a:rPr lang="it-IT" sz="3600" dirty="0"/>
               <a:t> Day </a:t>
             </a:r>
-            <a:endParaRPr lang="it-IT" sz="3600" dirty="0"/>
           </a:p>
         </p:txBody>
       </p:sp>
@@ -14605,7 +14375,6 @@
               <a:rPr lang="it-IT" sz="3600" dirty="0"/>
               <a:t>Month </a:t>
             </a:r>
-            <a:endParaRPr lang="it-IT" sz="3600" dirty="0"/>
           </a:p>
         </p:txBody>
       </p:sp>
@@ -14639,7 +14408,6 @@
               <a:rPr lang="it-IT" sz="3600" dirty="0"/>
               <a:t> </a:t>
             </a:r>
-            <a:endParaRPr lang="it-IT" sz="3600" dirty="0"/>
           </a:p>
         </p:txBody>
       </p:sp>
@@ -15564,7 +15332,6 @@
               <a:rPr lang="it-IT" dirty="0"/>
               <a:t> the day</a:t>
             </a:r>
-            <a:endParaRPr lang="it-IT" dirty="0"/>
           </a:p>
         </p:txBody>
       </p:sp>
@@ -15579,7 +15346,7 @@
           </p:nvPr>
         </p:nvPicPr>
         <p:blipFill>
-          <a:blip r:embed="rId1"/>
+          <a:blip r:embed="rId2"/>
           <a:stretch>
             <a:fillRect/>
           </a:stretch>
@@ -15619,7 +15386,6 @@
               <a:rPr lang="it-IT" sz="2400" b="1" dirty="0"/>
               <a:t>          Wednesday 2010-10-08 </a:t>
             </a:r>
-            <a:endParaRPr lang="it-IT" sz="2400" b="1" dirty="0"/>
           </a:p>
         </p:txBody>
       </p:sp>
@@ -15749,7 +15515,7 @@
           </p:nvPr>
         </p:nvPicPr>
         <p:blipFill>
-          <a:blip r:embed="rId1"/>
+          <a:blip r:embed="rId2"/>
           <a:stretch>
             <a:fillRect/>
           </a:stretch>
@@ -15789,7 +15555,6 @@
               <a:rPr lang="it-IT" sz="2400" b="1" dirty="0"/>
               <a:t>          Wednesday 2010-10-08 </a:t>
             </a:r>
-            <a:endParaRPr lang="it-IT" sz="2400" b="1" dirty="0"/>
           </a:p>
         </p:txBody>
       </p:sp>
@@ -15821,7 +15586,6 @@
               <a:rPr lang="it-IT" dirty="0"/>
               <a:t>8:20</a:t>
             </a:r>
-            <a:endParaRPr lang="it-IT" dirty="0"/>
           </a:p>
         </p:txBody>
       </p:sp>
@@ -15853,7 +15617,6 @@
               <a:rPr lang="it-IT" dirty="0"/>
               <a:t>16:40</a:t>
             </a:r>
-            <a:endParaRPr lang="it-IT" dirty="0"/>
           </a:p>
         </p:txBody>
       </p:sp>
@@ -15885,7 +15648,6 @@
               <a:rPr lang="it-IT" dirty="0"/>
               <a:t>23:59</a:t>
             </a:r>
-            <a:endParaRPr lang="it-IT" dirty="0"/>
           </a:p>
         </p:txBody>
       </p:sp>
@@ -15979,7 +15741,7 @@
           </p:nvPr>
         </p:nvPicPr>
         <p:blipFill>
-          <a:blip r:embed="rId1"/>
+          <a:blip r:embed="rId2"/>
           <a:stretch>
             <a:fillRect/>
           </a:stretch>
@@ -16019,7 +15781,6 @@
               <a:rPr lang="it-IT" sz="2400" b="1" dirty="0"/>
               <a:t>          Wednesday 2010-10-08 </a:t>
             </a:r>
-            <a:endParaRPr lang="it-IT" sz="2400" b="1" dirty="0"/>
           </a:p>
         </p:txBody>
       </p:sp>
@@ -16051,7 +15812,6 @@
               <a:rPr lang="it-IT" dirty="0"/>
               <a:t>20:00</a:t>
             </a:r>
-            <a:endParaRPr lang="it-IT" dirty="0"/>
           </a:p>
         </p:txBody>
       </p:sp>
@@ -16083,7 +15843,6 @@
               <a:rPr lang="it-IT" dirty="0"/>
               <a:t>20:50</a:t>
             </a:r>
-            <a:endParaRPr lang="it-IT" dirty="0"/>
           </a:p>
         </p:txBody>
       </p:sp>
@@ -16115,7 +15874,6 @@
               <a:rPr lang="it-IT" dirty="0"/>
               <a:t>21:40</a:t>
             </a:r>
-            <a:endParaRPr lang="it-IT" dirty="0"/>
           </a:p>
         </p:txBody>
       </p:sp>
@@ -16147,7 +15905,6 @@
               <a:rPr lang="it-IT" dirty="0"/>
               <a:t>22:30</a:t>
             </a:r>
-            <a:endParaRPr lang="it-IT" dirty="0"/>
           </a:p>
         </p:txBody>
       </p:sp>
@@ -16179,7 +15936,6 @@
               <a:rPr lang="it-IT" dirty="0"/>
               <a:t>23:10</a:t>
             </a:r>
-            <a:endParaRPr lang="it-IT" dirty="0"/>
           </a:p>
         </p:txBody>
       </p:sp>
@@ -16283,7 +16039,6 @@
               <a:rPr lang="it-IT" sz="2400" dirty="0"/>
               <a:t>Energy:  1kWh</a:t>
             </a:r>
-            <a:endParaRPr lang="it-IT" sz="2400" dirty="0"/>
           </a:p>
         </p:txBody>
       </p:sp>
@@ -16466,7 +16221,6 @@
               <a:rPr lang="it-IT" dirty="0"/>
               <a:t> 2</a:t>
             </a:r>
-            <a:endParaRPr lang="it-IT" dirty="0"/>
           </a:p>
         </p:txBody>
       </p:sp>
@@ -16481,7 +16235,7 @@
           </p:nvPr>
         </p:nvPicPr>
         <p:blipFill>
-          <a:blip r:embed="rId1"/>
+          <a:blip r:embed="rId2"/>
           <a:stretch>
             <a:fillRect/>
           </a:stretch>
@@ -16571,11 +16325,6 @@
               </a:rPr>
               <a:t>!</a:t>
             </a:r>
-            <a:endParaRPr lang="it-IT" sz="2800" b="1" dirty="0">
-              <a:solidFill>
-                <a:srgbClr val="C00000"/>
-              </a:solidFill>
-            </a:endParaRPr>
           </a:p>
           <a:p>
             <a:r>
@@ -16594,11 +16343,6 @@
               </a:rPr>
               <a:t> situation</a:t>
             </a:r>
-            <a:endParaRPr lang="it-IT" sz="2800" b="1" dirty="0">
-              <a:solidFill>
-                <a:srgbClr val="C00000"/>
-              </a:solidFill>
-            </a:endParaRPr>
           </a:p>
         </p:txBody>
       </p:sp>
@@ -16630,7 +16374,6 @@
               <a:rPr lang="it-IT" sz="2400" b="1" dirty="0"/>
               <a:t>          Wednesday 2010-10-08 </a:t>
             </a:r>
-            <a:endParaRPr lang="it-IT" sz="2400" b="1" dirty="0"/>
           </a:p>
         </p:txBody>
       </p:sp>
@@ -16662,7 +16405,6 @@
               <a:rPr lang="it-IT" dirty="0"/>
               <a:t>8:20</a:t>
             </a:r>
-            <a:endParaRPr lang="it-IT" dirty="0"/>
           </a:p>
         </p:txBody>
       </p:sp>
@@ -16694,7 +16436,6 @@
               <a:rPr lang="it-IT" dirty="0"/>
               <a:t>16:40</a:t>
             </a:r>
-            <a:endParaRPr lang="it-IT" dirty="0"/>
           </a:p>
         </p:txBody>
       </p:sp>
@@ -16726,7 +16467,6 @@
               <a:rPr lang="it-IT" dirty="0"/>
               <a:t>23:59</a:t>
             </a:r>
-            <a:endParaRPr lang="it-IT" dirty="0"/>
           </a:p>
         </p:txBody>
       </p:sp>
@@ -16835,21 +16575,18 @@
               <a:rPr lang="it-IT" dirty="0"/>
               <a:t> 74 Wh</a:t>
             </a:r>
-            <a:endParaRPr lang="it-IT" dirty="0"/>
           </a:p>
           <a:p>
             <a:r>
               <a:rPr lang="it-IT" dirty="0"/>
               <a:t>500 Wh per day</a:t>
             </a:r>
-            <a:endParaRPr lang="it-IT" dirty="0"/>
           </a:p>
           <a:p>
             <a:r>
               <a:rPr lang="it-IT" sz="2400" b="1" dirty="0"/>
               <a:t> </a:t>
             </a:r>
-            <a:endParaRPr lang="it-IT" sz="2400" b="1" dirty="0"/>
           </a:p>
         </p:txBody>
       </p:sp>
@@ -17306,6 +17043,8 @@
       </a:bgFillStyleLst>
     </a:fmtScheme>
   </a:themeElements>
+  <a:objectDefaults/>
+  <a:extraClrSchemeLst/>
   <a:extLst>
     <a:ext uri="{05A4C25C-085E-4340-85A3-A5531E510DB2}">
       <thm15:themeFamily xmlns:thm15="http://schemas.microsoft.com/office/thememl/2012/main" name="Office Theme" id="{62F939B6-93AF-4DB8-9C6B-D6C7DFDC589F}" vid="{4A3C46E8-61CC-4603-A589-7422A47A8E4A}"/>
